--- a/Pflichtenheft/Pflichtenheft.pptx
+++ b/Pflichtenheft/Pflichtenheft.pptx
@@ -48705,11 +48705,11 @@
   <p:clrMapOvr>
     <a:masterClrMapping/>
   </p:clrMapOvr>
-  <mc:AlternateContent xmlns:mc="http://schemas.openxmlformats.org/markup-compatibility/2006">
-    <mc:Choice xmlns:p14="http://schemas.microsoft.com/office/powerpoint/2010/main" Requires="p14">
+  <mc:AlternateContent xmlns:mc="http://schemas.openxmlformats.org/markup-compatibility/2006" xmlns:p14="http://schemas.microsoft.com/office/powerpoint/2010/main">
+    <mc:Choice Requires="p14">
       <p:transition spd="slow" p14:dur="2000"/>
     </mc:Choice>
-    <mc:Fallback>
+    <mc:Fallback xmlns="">
       <p:transition spd="slow"/>
     </mc:Fallback>
   </mc:AlternateContent>
@@ -49868,7 +49868,6 @@
               <a:rPr lang="de-AT" dirty="0" smtClean="0"/>
               <a:t>Zusammenführen der Berechnungen auf eine Plattform zu einem einheitlich Berechnungsprozess</a:t>
             </a:r>
-            <a:endParaRPr lang="de-AT" dirty="0" smtClean="0"/>
           </a:p>
           <a:p>
             <a:pPr lvl="1"/>
@@ -52686,7 +52685,7 @@
       </p:pic>
       <p:pic>
         <p:nvPicPr>
-          <p:cNvPr id="35" name="Picture 34"/>
+          <p:cNvPr id="36" name="Picture 35"/>
           <p:cNvPicPr/>
           <p:nvPr/>
         </p:nvPicPr>
@@ -52705,8 +52704,8 @@
         </p:blipFill>
         <p:spPr bwMode="auto">
           <a:xfrm>
-            <a:off x="4658443" y="1805160"/>
-            <a:ext cx="4680000" cy="2858135"/>
+            <a:off x="7114940" y="3642320"/>
+            <a:ext cx="4680000" cy="3026767"/>
           </a:xfrm>
           <a:prstGeom prst="rect">
             <a:avLst/>
@@ -52716,7 +52715,7 @@
       </p:pic>
       <p:pic>
         <p:nvPicPr>
-          <p:cNvPr id="36" name="Picture 35"/>
+          <p:cNvPr id="35" name="Picture 34"/>
           <p:cNvPicPr/>
           <p:nvPr/>
         </p:nvPicPr>
@@ -52735,8 +52734,8 @@
         </p:blipFill>
         <p:spPr bwMode="auto">
           <a:xfrm>
-            <a:off x="7114940" y="3642320"/>
-            <a:ext cx="4680000" cy="3026767"/>
+            <a:off x="4658443" y="1822412"/>
+            <a:ext cx="4680000" cy="2858135"/>
           </a:xfrm>
           <a:prstGeom prst="rect">
             <a:avLst/>

--- a/Pflichtenheft/Pflichtenheft.pptx
+++ b/Pflichtenheft/Pflichtenheft.pptx
@@ -357,7 +357,7 @@
           </a:lstStyle>
           <a:p>
             <a:fld id="{B0C5454C-F364-EC41-B065-9DC159DD093C}" type="datetimeFigureOut">
-              <a:t>01.07.2019</a:t>
+              <a:t>02.07.2019</a:t>
             </a:fld>
             <a:endParaRPr lang="de-DE"/>
           </a:p>
@@ -456,7 +456,7 @@
           <a:p>
             <a:fld id="{39645E65-CBBF-E944-988B-444F84C43D3E}" type="datetimeFigureOut">
               <a:rPr lang="de-DE" smtClean="0"/>
-              <a:t>01.07.2019</a:t>
+              <a:t>02.07.2019</a:t>
             </a:fld>
             <a:endParaRPr lang="de-DE"/>
           </a:p>
@@ -35102,6 +35102,16 @@
           <a:lstStyle/>
           <a:p>
             <a:r>
+              <a:rPr lang="en-US" dirty="0" err="1" smtClean="0"/>
+              <a:t>Niklas</a:t>
+            </a:r>
+            <a:r>
+              <a:rPr lang="en-US" dirty="0" smtClean="0"/>
+              <a:t> Leitner, Markus Kragl</a:t>
+            </a:r>
+          </a:p>
+          <a:p>
+            <a:r>
               <a:rPr lang="en-US" dirty="0" smtClean="0"/>
               <a:t>01.07.2019</a:t>
             </a:r>
@@ -35308,29 +35318,6 @@
       </p:sp>
       <p:pic>
         <p:nvPicPr>
-          <p:cNvPr id="2" name="Picture 1"/>
-          <p:cNvPicPr>
-            <a:picLocks noChangeAspect="1"/>
-          </p:cNvPicPr>
-          <p:nvPr/>
-        </p:nvPicPr>
-        <p:blipFill rotWithShape="1">
-          <a:blip r:embed="rId3"/>
-          <a:srcRect b="22648"/>
-          <a:stretch/>
-        </p:blipFill>
-        <p:spPr>
-          <a:xfrm>
-            <a:off x="672977" y="2425685"/>
-            <a:ext cx="5051548" cy="4028907"/>
-          </a:xfrm>
-          <a:prstGeom prst="rect">
-            <a:avLst/>
-          </a:prstGeom>
-        </p:spPr>
-      </p:pic>
-      <p:pic>
-        <p:nvPicPr>
           <p:cNvPr id="13" name="Picture 12"/>
           <p:cNvPicPr>
             <a:picLocks noChangeAspect="1"/>
@@ -35346,6 +35333,30 @@
           <a:xfrm>
             <a:off x="5810984" y="2523447"/>
             <a:ext cx="1504950" cy="1400459"/>
+          </a:xfrm>
+          <a:prstGeom prst="rect">
+            <a:avLst/>
+          </a:prstGeom>
+        </p:spPr>
+      </p:pic>
+      <p:pic>
+        <p:nvPicPr>
+          <p:cNvPr id="3" name="Picture 2"/>
+          <p:cNvPicPr>
+            <a:picLocks noChangeAspect="1"/>
+          </p:cNvPicPr>
+          <p:nvPr/>
+        </p:nvPicPr>
+        <p:blipFill>
+          <a:blip r:embed="rId4"/>
+          <a:stretch>
+            <a:fillRect/>
+          </a:stretch>
+        </p:blipFill>
+        <p:spPr>
+          <a:xfrm>
+            <a:off x="3536830" y="187633"/>
+            <a:ext cx="6228272" cy="6420333"/>
           </a:xfrm>
           <a:prstGeom prst="rect">
             <a:avLst/>
@@ -49798,12 +49809,12 @@
               <a:t> Hydro </a:t>
             </a:r>
             <a:r>
-              <a:rPr lang="en-US" dirty="0" err="1" smtClean="0"/>
-              <a:t>Gmbha</a:t>
-            </a:r>
-            <a:r>
               <a:rPr lang="en-US" dirty="0" smtClean="0"/>
-              <a:t> – </a:t>
+              <a:t>GmbH </a:t>
+            </a:r>
+            <a:r>
+              <a:rPr lang="en-US" dirty="0" smtClean="0"/>
+              <a:t>– </a:t>
             </a:r>
             <a:r>
               <a:rPr lang="en-US" dirty="0" err="1" smtClean="0"/>
@@ -49822,8 +49833,20 @@
               <a:t> </a:t>
             </a:r>
             <a:r>
+              <a:rPr lang="de-AT" dirty="0" smtClean="0"/>
+              <a:t>von</a:t>
+            </a:r>
+            <a:r>
+              <a:rPr lang="de-AT" dirty="0" smtClean="0"/>
+              <a:t> mechanischen </a:t>
+            </a:r>
+            <a:r>
               <a:rPr lang="de-AT" dirty="0"/>
-              <a:t>die mechanische und elektrische Ausrüstung </a:t>
+              <a:t>und </a:t>
+            </a:r>
+            <a:r>
+              <a:rPr lang="de-AT" dirty="0" smtClean="0"/>
+              <a:t>elektrischen Ausrüstungen</a:t>
             </a:r>
             <a:endParaRPr lang="de-AT" dirty="0" smtClean="0"/>
           </a:p>
@@ -49831,7 +49854,23 @@
             <a:pPr lvl="1"/>
             <a:r>
               <a:rPr lang="de-AT" dirty="0" smtClean="0"/>
-              <a:t>Viele Berechnungen in verschiedenste Programme für unterschiedliche Baugruppen</a:t>
+              <a:t>Viele </a:t>
+            </a:r>
+            <a:r>
+              <a:rPr lang="de-AT" dirty="0" smtClean="0"/>
+              <a:t>Standard - Berechnungen </a:t>
+            </a:r>
+            <a:r>
+              <a:rPr lang="de-AT" dirty="0" smtClean="0"/>
+              <a:t>in verschiedenste </a:t>
+            </a:r>
+            <a:r>
+              <a:rPr lang="de-AT" dirty="0" smtClean="0"/>
+              <a:t>Programme - </a:t>
+            </a:r>
+            <a:r>
+              <a:rPr lang="de-AT" dirty="0" smtClean="0"/>
+              <a:t>für unterschiedliche Baugruppen</a:t>
             </a:r>
           </a:p>
           <a:p>
@@ -52802,6 +52841,38 @@
               <a:rPr lang="en-US" dirty="0" err="1" smtClean="0"/>
               <a:t>AndritzHydro.Core</a:t>
             </a:r>
+            <a:r>
+              <a:rPr lang="en-US" dirty="0" smtClean="0"/>
+              <a:t> – </a:t>
+            </a:r>
+            <a:r>
+              <a:rPr lang="en-US" dirty="0" err="1" smtClean="0"/>
+              <a:t>Anwendungsinfrastruktur</a:t>
+            </a:r>
+            <a:r>
+              <a:rPr lang="en-US" dirty="0" smtClean="0"/>
+              <a:t> </a:t>
+            </a:r>
+            <a:r>
+              <a:rPr lang="en-US" dirty="0" err="1" smtClean="0"/>
+              <a:t>ohne</a:t>
+            </a:r>
+            <a:r>
+              <a:rPr lang="en-US" dirty="0" smtClean="0"/>
+              <a:t> </a:t>
+            </a:r>
+            <a:r>
+              <a:rPr lang="en-US" dirty="0" err="1" smtClean="0"/>
+              <a:t>Datenbank</a:t>
+            </a:r>
+            <a:r>
+              <a:rPr lang="en-US" dirty="0"/>
+              <a:t> </a:t>
+            </a:r>
+            <a:r>
+              <a:rPr lang="en-US" dirty="0" err="1" smtClean="0"/>
+              <a:t>Zugriff</a:t>
+            </a:r>
             <a:endParaRPr lang="en-US" dirty="0"/>
           </a:p>
         </p:txBody>
@@ -52824,6 +52895,14 @@
             <a:r>
               <a:rPr lang="en-US" dirty="0" err="1" smtClean="0"/>
               <a:t>Klassendiagramm</a:t>
+            </a:r>
+            <a:r>
+              <a:rPr lang="en-US" dirty="0" smtClean="0"/>
+              <a:t> - </a:t>
+            </a:r>
+            <a:r>
+              <a:rPr lang="en-US" dirty="0" err="1" smtClean="0"/>
+              <a:t>Firmenframework</a:t>
             </a:r>
             <a:endParaRPr lang="en-US" dirty="0"/>
           </a:p>
@@ -53018,6 +53097,29 @@
               <a:rPr lang="en-US" dirty="0" err="1" smtClean="0"/>
               <a:t>AndritzHydro.Core.Data</a:t>
             </a:r>
+            <a:r>
+              <a:rPr lang="en-US" dirty="0"/>
+              <a:t> - </a:t>
+            </a:r>
+            <a:r>
+              <a:rPr lang="en-US" dirty="0" smtClean="0"/>
+              <a:t> um die </a:t>
+            </a:r>
+            <a:r>
+              <a:rPr lang="en-US" dirty="0" err="1" smtClean="0"/>
+              <a:t>Datenbank</a:t>
+            </a:r>
+            <a:r>
+              <a:rPr lang="en-US" dirty="0" smtClean="0"/>
+              <a:t> </a:t>
+            </a:r>
+            <a:r>
+              <a:rPr lang="en-US" dirty="0" err="1" smtClean="0"/>
+              <a:t>anzusprechnen</a:t>
+            </a:r>
+            <a:endParaRPr lang="en-US" dirty="0"/>
+          </a:p>
+          <a:p>
             <a:endParaRPr lang="en-US" dirty="0"/>
           </a:p>
         </p:txBody>
@@ -53040,6 +53142,14 @@
             <a:r>
               <a:rPr lang="en-US" dirty="0" err="1" smtClean="0"/>
               <a:t>Klassendiagramm</a:t>
+            </a:r>
+            <a:r>
+              <a:rPr lang="en-US" dirty="0" smtClean="0"/>
+              <a:t> - </a:t>
+            </a:r>
+            <a:r>
+              <a:rPr lang="en-US" dirty="0" err="1" smtClean="0"/>
+              <a:t>Firmenframework</a:t>
             </a:r>
             <a:endParaRPr lang="en-US" dirty="0"/>
           </a:p>
@@ -53232,6 +53342,14 @@
             <a:r>
               <a:rPr lang="en-US" dirty="0" err="1" smtClean="0"/>
               <a:t>Klassendiagramm</a:t>
+            </a:r>
+            <a:r>
+              <a:rPr lang="en-US" dirty="0" smtClean="0"/>
+              <a:t> – WPF </a:t>
+            </a:r>
+            <a:r>
+              <a:rPr lang="en-US" dirty="0" err="1" smtClean="0"/>
+              <a:t>Anwendung</a:t>
             </a:r>
             <a:endParaRPr lang="en-US" dirty="0"/>
           </a:p>
